--- a/CLASS 1/MAUI Intro.pptx
+++ b/CLASS 1/MAUI Intro.pptx
@@ -271,7 +271,7 @@
       </p15:sldGuideLst>
     </p:ext>
     <p:ext uri="http://customooxmlschemas.google.com/">
-      <go:slidesCustomData xmlns:go="http://customooxmlschemas.google.com/" xmlns:ahyp="http://schemas.microsoft.com/office/drawing/2018/hyperlinkcolor" xmlns:p15="http://schemas.microsoft.com/office/powerpoint/2012/main" xmlns:p14="http://schemas.microsoft.com/office/powerpoint/2010/main" xmlns:com="http://schemas.openxmlformats.org/drawingml/2006/compatibility" xmlns:pvml="urn:schemas-microsoft-com:office:powerpoint" xmlns:v="urn:schemas-microsoft-com:vml" xmlns:o="urn:schemas-microsoft-com:office:office" xmlns:dgm="http://schemas.openxmlformats.org/drawingml/2006/diagram" xmlns:c="http://schemas.openxmlformats.org/drawingml/2006/chart" xmlns:mv="urn:schemas-microsoft-com:mac:vml" xmlns:mc="http://schemas.openxmlformats.org/markup-compatibility/2006" xmlns="" r:id="rId20" roundtripDataSignature="AMtx7mg0cU04/ZSa70UmaO7fNVSXDE5qDw=="/>
+      <go:slidesCustomData xmlns="" xmlns:mc="http://schemas.openxmlformats.org/markup-compatibility/2006" xmlns:mv="urn:schemas-microsoft-com:mac:vml" xmlns:c="http://schemas.openxmlformats.org/drawingml/2006/chart" xmlns:dgm="http://schemas.openxmlformats.org/drawingml/2006/diagram" xmlns:o="urn:schemas-microsoft-com:office:office" xmlns:v="urn:schemas-microsoft-com:vml" xmlns:pvml="urn:schemas-microsoft-com:office:powerpoint" xmlns:com="http://schemas.openxmlformats.org/drawingml/2006/compatibility" xmlns:p14="http://schemas.microsoft.com/office/powerpoint/2010/main" xmlns:p15="http://schemas.microsoft.com/office/powerpoint/2012/main" xmlns:ahyp="http://schemas.microsoft.com/office/drawing/2018/hyperlinkcolor" xmlns:go="http://customooxmlschemas.google.com/" r:id="rId20" roundtripDataSignature="AMtx7mg0cU04/ZSa70UmaO7fNVSXDE5qDw=="/>
     </p:ext>
   </p:extLst>
 </p:presentation>
@@ -30412,25 +30412,34 @@
               <a:buChar char="•"/>
             </a:pPr>
             <a:r>
-              <a:rPr lang="en" sz="2400" dirty="0">
+              <a:rPr lang="en-US" sz="2400" dirty="0">
                 <a:latin typeface="Roboto"/>
                 <a:ea typeface="Roboto"/>
                 <a:sym typeface="Roboto"/>
                 <a:hlinkClick r:id="rId3"/>
               </a:rPr>
-              <a:t>email</a:t>
+              <a:t>vedrastojanovska@gmail.com</a:t>
             </a:r>
+            <a:endParaRPr lang="en-US" sz="2400" dirty="0">
+              <a:latin typeface="Roboto"/>
+              <a:ea typeface="Roboto"/>
+              <a:sym typeface="Roboto"/>
+            </a:endParaRPr>
           </a:p>
           <a:p>
-            <a:pPr marL="0" lvl="0" indent="0">
-              <a:spcBef>
-                <a:spcPts val="1000"/>
-              </a:spcBef>
-              <a:buClr>
-                <a:srgbClr val="000000"/>
-              </a:buClr>
-              <a:buSzPts val="1100"/>
-              <a:buNone/>
+            <a:pPr marL="457200" lvl="0" indent="-381000" algn="l">
+              <a:spcBef>
+                <a:spcPts val="0"/>
+              </a:spcBef>
+              <a:spcAft>
+                <a:spcPts val="0"/>
+              </a:spcAft>
+              <a:buClr>
+                <a:srgbClr val="5E85B9"/>
+              </a:buClr>
+              <a:buSzPts val="2400"/>
+              <a:buFont typeface="Roboto"/>
+              <a:buChar char="•"/>
             </a:pPr>
             <a:r>
               <a:rPr lang="en" sz="2400" dirty="0">
